--- a/Mobile Teile.pptx
+++ b/Mobile Teile.pptx
@@ -10,6 +10,7 @@
     <p:sldId id="261" r:id="rId4"/>
     <p:sldId id="259" r:id="rId5"/>
     <p:sldId id="260" r:id="rId6"/>
+    <p:sldId id="262" r:id="rId7"/>
   </p:sldIdLst>
   <p:sldSz cx="12192000" cy="6858000"/>
   <p:notesSz cx="6858000" cy="9144000"/>
@@ -108,7 +109,16 @@
       </a:defRPr>
     </a:lvl9pPr>
   </p:defaultTextStyle>
+  <p:extLst>
+    <p:ext uri="{EFAFB233-063F-42B5-8137-9DF3F51BA10A}">
+      <p15:sldGuideLst xmlns:p15="http://schemas.microsoft.com/office/powerpoint/2012/main"/>
+    </p:ext>
+  </p:extLst>
 </p:presentation>
+</file>
+
+<file path=ppt/revisionInfo.xml><?xml version="1.0" encoding="utf-8"?>
+<p1510:revInfo xmlns:a="http://schemas.openxmlformats.org/drawingml/2006/main" xmlns:r="http://schemas.openxmlformats.org/officeDocument/2006/relationships" xmlns:p1510="http://schemas.microsoft.com/office/powerpoint/2015/10/main"/>
 </file>
 
 <file path=ppt/slideLayouts/slideLayout1.xml><?xml version="1.0" encoding="utf-8"?>
@@ -838,7 +848,7 @@
             <a:fld id="{B61BEF0D-F0BB-DE4B-95CE-6DB70DBA9567}" type="datetimeFigureOut">
               <a:rPr lang="en-US" dirty="0"/>
               <a:pPr/>
-              <a:t>11/21/2017</a:t>
+              <a:t>1/10/2018</a:t>
             </a:fld>
             <a:endParaRPr lang="en-US" dirty="0"/>
           </a:p>
@@ -1086,7 +1096,7 @@
             <a:fld id="{B61BEF0D-F0BB-DE4B-95CE-6DB70DBA9567}" type="datetimeFigureOut">
               <a:rPr lang="en-US" dirty="0"/>
               <a:pPr/>
-              <a:t>11/21/2017</a:t>
+              <a:t>1/10/2018</a:t>
             </a:fld>
             <a:endParaRPr lang="en-US" dirty="0"/>
           </a:p>
@@ -1397,7 +1407,7 @@
             <a:fld id="{B61BEF0D-F0BB-DE4B-95CE-6DB70DBA9567}" type="datetimeFigureOut">
               <a:rPr lang="en-US" dirty="0"/>
               <a:pPr/>
-              <a:t>11/21/2017</a:t>
+              <a:t>1/10/2018</a:t>
             </a:fld>
             <a:endParaRPr lang="en-US" dirty="0"/>
           </a:p>
@@ -1721,7 +1731,7 @@
             <a:fld id="{B61BEF0D-F0BB-DE4B-95CE-6DB70DBA9567}" type="datetimeFigureOut">
               <a:rPr lang="en-US" dirty="0"/>
               <a:pPr/>
-              <a:t>11/21/2017</a:t>
+              <a:t>1/10/2018</a:t>
             </a:fld>
             <a:endParaRPr lang="en-US" dirty="0"/>
           </a:p>
@@ -2032,7 +2042,7 @@
             <a:fld id="{B61BEF0D-F0BB-DE4B-95CE-6DB70DBA9567}" type="datetimeFigureOut">
               <a:rPr lang="en-US" dirty="0"/>
               <a:pPr/>
-              <a:t>11/21/2017</a:t>
+              <a:t>1/10/2018</a:t>
             </a:fld>
             <a:endParaRPr lang="en-US" dirty="0"/>
           </a:p>
@@ -2416,7 +2426,7 @@
             <a:fld id="{B61BEF0D-F0BB-DE4B-95CE-6DB70DBA9567}" type="datetimeFigureOut">
               <a:rPr lang="en-US" dirty="0"/>
               <a:pPr/>
-              <a:t>11/21/2017</a:t>
+              <a:t>1/10/2018</a:t>
             </a:fld>
             <a:endParaRPr lang="en-US" dirty="0"/>
           </a:p>
@@ -2582,7 +2592,7 @@
           <a:p>
             <a:fld id="{55C6B4A9-1611-4792-9094-5F34BCA07E0B}" type="datetimeFigureOut">
               <a:rPr lang="en-US" dirty="0"/>
-              <a:t>11/21/2017</a:t>
+              <a:t>1/10/2018</a:t>
             </a:fld>
             <a:endParaRPr lang="en-US" dirty="0"/>
           </a:p>
@@ -2758,7 +2768,7 @@
             <a:fld id="{B61BEF0D-F0BB-DE4B-95CE-6DB70DBA9567}" type="datetimeFigureOut">
               <a:rPr lang="en-US" dirty="0"/>
               <a:pPr/>
-              <a:t>11/21/2017</a:t>
+              <a:t>1/10/2018</a:t>
             </a:fld>
             <a:endParaRPr lang="en-US" dirty="0"/>
           </a:p>
@@ -2924,7 +2934,7 @@
           <a:p>
             <a:fld id="{42A54C80-263E-416B-A8E0-580EDEADCBDC}" type="datetimeFigureOut">
               <a:rPr lang="en-US" dirty="0"/>
-              <a:t>11/21/2017</a:t>
+              <a:t>1/10/2018</a:t>
             </a:fld>
             <a:endParaRPr lang="en-US" dirty="0"/>
           </a:p>
@@ -3167,7 +3177,7 @@
             <a:fld id="{B61BEF0D-F0BB-DE4B-95CE-6DB70DBA9567}" type="datetimeFigureOut">
               <a:rPr lang="en-US" dirty="0"/>
               <a:pPr/>
-              <a:t>11/21/2017</a:t>
+              <a:t>1/10/2018</a:t>
             </a:fld>
             <a:endParaRPr lang="en-US" dirty="0"/>
           </a:p>
@@ -3395,7 +3405,7 @@
           <a:p>
             <a:fld id="{42A54C80-263E-416B-A8E0-580EDEADCBDC}" type="datetimeFigureOut">
               <a:rPr lang="en-US" dirty="0"/>
-              <a:t>11/21/2017</a:t>
+              <a:t>1/10/2018</a:t>
             </a:fld>
             <a:endParaRPr lang="en-US" dirty="0"/>
           </a:p>
@@ -3765,7 +3775,7 @@
             <a:fld id="{B61BEF0D-F0BB-DE4B-95CE-6DB70DBA9567}" type="datetimeFigureOut">
               <a:rPr lang="en-US" dirty="0"/>
               <a:pPr/>
-              <a:t>11/21/2017</a:t>
+              <a:t>1/10/2018</a:t>
             </a:fld>
             <a:endParaRPr lang="en-US" dirty="0"/>
           </a:p>
@@ -3885,7 +3895,7 @@
             <a:fld id="{B61BEF0D-F0BB-DE4B-95CE-6DB70DBA9567}" type="datetimeFigureOut">
               <a:rPr lang="en-US" dirty="0"/>
               <a:pPr/>
-              <a:t>11/21/2017</a:t>
+              <a:t>1/10/2018</a:t>
             </a:fld>
             <a:endParaRPr lang="en-US" dirty="0"/>
           </a:p>
@@ -3977,7 +3987,7 @@
             <a:fld id="{B61BEF0D-F0BB-DE4B-95CE-6DB70DBA9567}" type="datetimeFigureOut">
               <a:rPr lang="en-US" dirty="0"/>
               <a:pPr/>
-              <a:t>11/21/2017</a:t>
+              <a:t>1/10/2018</a:t>
             </a:fld>
             <a:endParaRPr lang="en-US" dirty="0"/>
           </a:p>
@@ -4228,7 +4238,7 @@
           <a:p>
             <a:fld id="{42A54C80-263E-416B-A8E0-580EDEADCBDC}" type="datetimeFigureOut">
               <a:rPr lang="en-US" dirty="0"/>
-              <a:t>11/21/2017</a:t>
+              <a:t>1/10/2018</a:t>
             </a:fld>
             <a:endParaRPr lang="en-US" dirty="0"/>
           </a:p>
@@ -4487,7 +4497,7 @@
             <a:fld id="{B61BEF0D-F0BB-DE4B-95CE-6DB70DBA9567}" type="datetimeFigureOut">
               <a:rPr lang="en-US" dirty="0"/>
               <a:pPr/>
-              <a:t>11/21/2017</a:t>
+              <a:t>1/10/2018</a:t>
             </a:fld>
             <a:endParaRPr lang="en-US" dirty="0"/>
           </a:p>
@@ -5229,7 +5239,7 @@
             <a:fld id="{B61BEF0D-F0BB-DE4B-95CE-6DB70DBA9567}" type="datetimeFigureOut">
               <a:rPr lang="en-US" dirty="0"/>
               <a:pPr/>
-              <a:t>11/21/2017</a:t>
+              <a:t>1/10/2018</a:t>
             </a:fld>
             <a:endParaRPr lang="en-US" dirty="0"/>
           </a:p>
@@ -6032,10 +6042,10 @@
             </a:r>
           </a:p>
           <a:p>
-            <a:r>
-              <a:rPr lang="de-DE" dirty="0"/>
-              <a:t>Vertrieb/Versand</a:t>
-            </a:r>
+            <a:pPr marL="0" indent="0">
+              <a:buNone/>
+            </a:pPr>
+            <a:endParaRPr lang="de-DE" dirty="0"/>
           </a:p>
           <a:p>
             <a:endParaRPr lang="de-DE" dirty="0"/>
@@ -6254,23 +6264,26 @@
           <a:p>
             <a:r>
               <a:rPr lang="de-DE" dirty="0"/>
-              <a:t>Datenbanken und Tabellen erstellen bis  zum 12.12.17</a:t>
+              <a:t>Datenbanken und Tabellen erstellen bis  zum 12.01.2018</a:t>
             </a:r>
           </a:p>
           <a:p>
             <a:r>
               <a:rPr lang="de-DE" dirty="0"/>
-              <a:t>Beispieldaten erstellen 19.12.17</a:t>
+              <a:t>Beispieldaten erstellen 19.01.18</a:t>
             </a:r>
           </a:p>
           <a:p>
             <a:r>
               <a:rPr lang="de-DE" dirty="0"/>
-              <a:t>Abfragen erstellen bis zum 5.1.18</a:t>
-            </a:r>
-          </a:p>
-          <a:p>
-            <a:endParaRPr lang="de-DE" dirty="0"/>
+              <a:t>Abfragen erstellen bis zum 19.1.18</a:t>
+            </a:r>
+          </a:p>
+          <a:p>
+            <a:r>
+              <a:rPr lang="de-DE" dirty="0"/>
+              <a:t>Datenbank an Website binden bis zur Abgabe</a:t>
+            </a:r>
           </a:p>
           <a:p>
             <a:endParaRPr lang="de-DE" dirty="0"/>
@@ -6281,6 +6294,99 @@
     <p:extLst>
       <p:ext uri="{BB962C8B-B14F-4D97-AF65-F5344CB8AC3E}">
         <p14:creationId xmlns:p14="http://schemas.microsoft.com/office/powerpoint/2010/main" val="2326921845"/>
+      </p:ext>
+    </p:extLst>
+  </p:cSld>
+  <p:clrMapOvr>
+    <a:masterClrMapping/>
+  </p:clrMapOvr>
+</p:sld>
+</file>
+
+<file path=ppt/slides/slide6.xml><?xml version="1.0" encoding="utf-8"?>
+<p:sld xmlns:a="http://schemas.openxmlformats.org/drawingml/2006/main" xmlns:r="http://schemas.openxmlformats.org/officeDocument/2006/relationships" xmlns:p="http://schemas.openxmlformats.org/presentationml/2006/main">
+  <p:cSld>
+    <p:spTree>
+      <p:nvGrpSpPr>
+        <p:cNvPr id="1" name=""/>
+        <p:cNvGrpSpPr/>
+        <p:nvPr/>
+      </p:nvGrpSpPr>
+      <p:grpSpPr>
+        <a:xfrm>
+          <a:off x="0" y="0"/>
+          <a:ext cx="0" cy="0"/>
+          <a:chOff x="0" y="0"/>
+          <a:chExt cx="0" cy="0"/>
+        </a:xfrm>
+      </p:grpSpPr>
+      <p:sp>
+        <p:nvSpPr>
+          <p:cNvPr id="2" name="Titel 1">
+            <a:extLst>
+              <a:ext uri="{FF2B5EF4-FFF2-40B4-BE49-F238E27FC236}">
+                <a16:creationId xmlns:a16="http://schemas.microsoft.com/office/drawing/2014/main" id="{0B5D891A-C216-45E8-A993-45B1A53FAFCD}"/>
+              </a:ext>
+            </a:extLst>
+          </p:cNvPr>
+          <p:cNvSpPr>
+            <a:spLocks noGrp="1"/>
+          </p:cNvSpPr>
+          <p:nvPr>
+            <p:ph type="title"/>
+          </p:nvPr>
+        </p:nvSpPr>
+        <p:spPr/>
+        <p:txBody>
+          <a:bodyPr>
+            <a:normAutofit/>
+          </a:bodyPr>
+          <a:lstStyle/>
+          <a:p>
+            <a:r>
+              <a:rPr lang="de-DE" dirty="0"/>
+              <a:t>Das ERM</a:t>
+            </a:r>
+            <a:br>
+              <a:rPr lang="de-DE" dirty="0"/>
+            </a:br>
+            <a:endParaRPr lang="de-DE" dirty="0"/>
+          </a:p>
+        </p:txBody>
+      </p:sp>
+      <p:pic>
+        <p:nvPicPr>
+          <p:cNvPr id="5" name="Inhaltsplatzhalter 4" descr="Ein Bild, das Text, Karte enthält.&#10;&#10;Mit sehr hoher Zuverlässigkeit generierte Beschreibung">
+            <a:extLst>
+              <a:ext uri="{FF2B5EF4-FFF2-40B4-BE49-F238E27FC236}">
+                <a16:creationId xmlns:a16="http://schemas.microsoft.com/office/drawing/2014/main" id="{95137684-891C-4176-9B88-749A7D33D8D4}"/>
+              </a:ext>
+            </a:extLst>
+          </p:cNvPr>
+          <p:cNvPicPr>
+            <a:picLocks noGrp="1" noChangeAspect="1"/>
+          </p:cNvPicPr>
+          <p:nvPr>
+            <p:ph idx="1"/>
+          </p:nvPr>
+        </p:nvPicPr>
+        <p:blipFill>
+          <a:blip r:embed="rId2"/>
+          <a:stretch>
+            <a:fillRect/>
+          </a:stretch>
+        </p:blipFill>
+        <p:spPr>
+          <a:xfrm>
+            <a:off x="0" y="1"/>
+            <a:ext cx="12192000" cy="6858000"/>
+          </a:xfrm>
+        </p:spPr>
+      </p:pic>
+    </p:spTree>
+    <p:extLst>
+      <p:ext uri="{BB962C8B-B14F-4D97-AF65-F5344CB8AC3E}">
+        <p14:creationId xmlns:p14="http://schemas.microsoft.com/office/powerpoint/2010/main" val="336849852"/>
       </p:ext>
     </p:extLst>
   </p:cSld>
